--- a/Batch-07/Proff Lecture Material/21. BOOT STRAPPING (USER DATA).pptx
+++ b/Batch-07/Proff Lecture Material/21. BOOT STRAPPING (USER DATA).pptx
@@ -107,6 +107,22 @@
       </a:defRPr>
     </a:lvl9pPr>
   </p:defaultTextStyle>
+  <p:extLst>
+    <p:ext uri="{EFAFB233-063F-42B5-8137-9DF3F51BA10A}">
+      <p15:sldGuideLst xmlns:p15="http://schemas.microsoft.com/office/powerpoint/2012/main">
+        <p15:guide id="1" orient="horz" pos="2881">
+          <p15:clr>
+            <a:srgbClr val="A4A3A4"/>
+          </p15:clr>
+        </p15:guide>
+        <p15:guide id="2" pos="2160">
+          <p15:clr>
+            <a:srgbClr val="A4A3A4"/>
+          </p15:clr>
+        </p15:guide>
+      </p15:sldGuideLst>
+    </p:ext>
+  </p:extLst>
 </p:presentation>
 </file>
 
@@ -198,10 +214,9 @@
           </a:lstStyle>
           <a:p>
             <a:r>
-              <a:rPr kumimoji="0" lang="en-US" smtClean="0"/>
+              <a:rPr kumimoji="0" lang="en-US"/>
               <a:t>Click to edit Master title style</a:t>
             </a:r>
-            <a:endParaRPr kumimoji="0" lang="en-US"/>
           </a:p>
         </p:txBody>
       </p:sp>
@@ -259,10 +274,9 @@
           </a:lstStyle>
           <a:p>
             <a:r>
-              <a:rPr kumimoji="0" lang="en-US" smtClean="0"/>
+              <a:rPr kumimoji="0" lang="en-US"/>
               <a:t>Click to edit Master subtitle style</a:t>
             </a:r>
-            <a:endParaRPr kumimoji="0" lang="en-US"/>
           </a:p>
         </p:txBody>
       </p:sp>
@@ -284,7 +298,7 @@
             <a:fld id="{1D8BD707-D9CF-40AE-B4C6-C98DA3205C09}" type="datetimeFigureOut">
               <a:rPr lang="en-US" smtClean="0"/>
               <a:pPr/>
-              <a:t>4/25/2020</a:t>
+              <a:t>12/5/2021</a:t>
             </a:fld>
             <a:endParaRPr lang="en-US"/>
           </a:p>
@@ -374,10 +388,9 @@
           <a:lstStyle/>
           <a:p>
             <a:r>
-              <a:rPr kumimoji="0" lang="en-US" smtClean="0"/>
+              <a:rPr kumimoji="0" lang="en-US"/>
               <a:t>Click to edit Master title style</a:t>
             </a:r>
-            <a:endParaRPr kumimoji="0" lang="en-US"/>
           </a:p>
         </p:txBody>
       </p:sp>
@@ -398,35 +411,35 @@
           <a:p>
             <a:pPr lvl="0" eaLnBrk="1" latinLnBrk="0" hangingPunct="1"/>
             <a:r>
-              <a:rPr lang="en-US" smtClean="0"/>
+              <a:rPr lang="en-US"/>
               <a:t>Click to edit Master text styles</a:t>
             </a:r>
           </a:p>
           <a:p>
             <a:pPr lvl="1" eaLnBrk="1" latinLnBrk="0" hangingPunct="1"/>
             <a:r>
-              <a:rPr lang="en-US" smtClean="0"/>
+              <a:rPr lang="en-US"/>
               <a:t>Second level</a:t>
             </a:r>
           </a:p>
           <a:p>
             <a:pPr lvl="2" eaLnBrk="1" latinLnBrk="0" hangingPunct="1"/>
             <a:r>
-              <a:rPr lang="en-US" smtClean="0"/>
+              <a:rPr lang="en-US"/>
               <a:t>Third level</a:t>
             </a:r>
           </a:p>
           <a:p>
             <a:pPr lvl="3" eaLnBrk="1" latinLnBrk="0" hangingPunct="1"/>
             <a:r>
-              <a:rPr lang="en-US" smtClean="0"/>
+              <a:rPr lang="en-US"/>
               <a:t>Fourth level</a:t>
             </a:r>
           </a:p>
           <a:p>
             <a:pPr lvl="4" eaLnBrk="1" latinLnBrk="0" hangingPunct="1"/>
             <a:r>
-              <a:rPr lang="en-US" smtClean="0"/>
+              <a:rPr lang="en-US"/>
               <a:t>Fifth level</a:t>
             </a:r>
             <a:endParaRPr kumimoji="0" lang="en-US"/>
@@ -451,7 +464,7 @@
             <a:fld id="{1D8BD707-D9CF-40AE-B4C6-C98DA3205C09}" type="datetimeFigureOut">
               <a:rPr lang="en-US" smtClean="0"/>
               <a:pPr/>
-              <a:t>4/25/2020</a:t>
+              <a:t>12/5/2021</a:t>
             </a:fld>
             <a:endParaRPr lang="en-US"/>
           </a:p>
@@ -546,10 +559,9 @@
           <a:lstStyle/>
           <a:p>
             <a:r>
-              <a:rPr kumimoji="0" lang="en-US" smtClean="0"/>
+              <a:rPr kumimoji="0" lang="en-US"/>
               <a:t>Click to edit Master title style</a:t>
             </a:r>
-            <a:endParaRPr kumimoji="0" lang="en-US"/>
           </a:p>
         </p:txBody>
       </p:sp>
@@ -575,35 +587,35 @@
           <a:p>
             <a:pPr lvl="0" eaLnBrk="1" latinLnBrk="0" hangingPunct="1"/>
             <a:r>
-              <a:rPr lang="en-US" smtClean="0"/>
+              <a:rPr lang="en-US"/>
               <a:t>Click to edit Master text styles</a:t>
             </a:r>
           </a:p>
           <a:p>
             <a:pPr lvl="1" eaLnBrk="1" latinLnBrk="0" hangingPunct="1"/>
             <a:r>
-              <a:rPr lang="en-US" smtClean="0"/>
+              <a:rPr lang="en-US"/>
               <a:t>Second level</a:t>
             </a:r>
           </a:p>
           <a:p>
             <a:pPr lvl="2" eaLnBrk="1" latinLnBrk="0" hangingPunct="1"/>
             <a:r>
-              <a:rPr lang="en-US" smtClean="0"/>
+              <a:rPr lang="en-US"/>
               <a:t>Third level</a:t>
             </a:r>
           </a:p>
           <a:p>
             <a:pPr lvl="3" eaLnBrk="1" latinLnBrk="0" hangingPunct="1"/>
             <a:r>
-              <a:rPr lang="en-US" smtClean="0"/>
+              <a:rPr lang="en-US"/>
               <a:t>Fourth level</a:t>
             </a:r>
           </a:p>
           <a:p>
             <a:pPr lvl="4" eaLnBrk="1" latinLnBrk="0" hangingPunct="1"/>
             <a:r>
-              <a:rPr lang="en-US" smtClean="0"/>
+              <a:rPr lang="en-US"/>
               <a:t>Fifth level</a:t>
             </a:r>
             <a:endParaRPr kumimoji="0" lang="en-US"/>
@@ -628,7 +640,7 @@
             <a:fld id="{1D8BD707-D9CF-40AE-B4C6-C98DA3205C09}" type="datetimeFigureOut">
               <a:rPr lang="en-US" smtClean="0"/>
               <a:pPr/>
-              <a:t>4/25/2020</a:t>
+              <a:t>12/5/2021</a:t>
             </a:fld>
             <a:endParaRPr lang="en-US"/>
           </a:p>
@@ -718,10 +730,9 @@
           <a:lstStyle/>
           <a:p>
             <a:r>
-              <a:rPr kumimoji="0" lang="en-US" smtClean="0"/>
+              <a:rPr kumimoji="0" lang="en-US"/>
               <a:t>Click to edit Master title style</a:t>
             </a:r>
-            <a:endParaRPr kumimoji="0" lang="en-US"/>
           </a:p>
         </p:txBody>
       </p:sp>
@@ -742,35 +753,35 @@
           <a:p>
             <a:pPr lvl="0" eaLnBrk="1" latinLnBrk="0" hangingPunct="1"/>
             <a:r>
-              <a:rPr lang="en-US" smtClean="0"/>
+              <a:rPr lang="en-US"/>
               <a:t>Click to edit Master text styles</a:t>
             </a:r>
           </a:p>
           <a:p>
             <a:pPr lvl="1" eaLnBrk="1" latinLnBrk="0" hangingPunct="1"/>
             <a:r>
-              <a:rPr lang="en-US" smtClean="0"/>
+              <a:rPr lang="en-US"/>
               <a:t>Second level</a:t>
             </a:r>
           </a:p>
           <a:p>
             <a:pPr lvl="2" eaLnBrk="1" latinLnBrk="0" hangingPunct="1"/>
             <a:r>
-              <a:rPr lang="en-US" smtClean="0"/>
+              <a:rPr lang="en-US"/>
               <a:t>Third level</a:t>
             </a:r>
           </a:p>
           <a:p>
             <a:pPr lvl="3" eaLnBrk="1" latinLnBrk="0" hangingPunct="1"/>
             <a:r>
-              <a:rPr lang="en-US" smtClean="0"/>
+              <a:rPr lang="en-US"/>
               <a:t>Fourth level</a:t>
             </a:r>
           </a:p>
           <a:p>
             <a:pPr lvl="4" eaLnBrk="1" latinLnBrk="0" hangingPunct="1"/>
             <a:r>
-              <a:rPr lang="en-US" smtClean="0"/>
+              <a:rPr lang="en-US"/>
               <a:t>Fifth level</a:t>
             </a:r>
             <a:endParaRPr kumimoji="0" lang="en-US"/>
@@ -795,7 +806,7 @@
             <a:fld id="{1D8BD707-D9CF-40AE-B4C6-C98DA3205C09}" type="datetimeFigureOut">
               <a:rPr lang="en-US" smtClean="0"/>
               <a:pPr/>
-              <a:t>4/25/2020</a:t>
+              <a:t>12/5/2021</a:t>
             </a:fld>
             <a:endParaRPr lang="en-US"/>
           </a:p>
@@ -937,10 +948,9 @@
           </a:lstStyle>
           <a:p>
             <a:r>
-              <a:rPr kumimoji="0" lang="en-US" smtClean="0"/>
+              <a:rPr kumimoji="0" lang="en-US"/>
               <a:t>Click to edit Master title style</a:t>
             </a:r>
-            <a:endParaRPr kumimoji="0" lang="en-US"/>
           </a:p>
         </p:txBody>
       </p:sp>
@@ -1015,7 +1025,7 @@
           <a:p>
             <a:pPr lvl="0" eaLnBrk="1" latinLnBrk="0" hangingPunct="1"/>
             <a:r>
-              <a:rPr kumimoji="0" lang="en-US" smtClean="0"/>
+              <a:rPr kumimoji="0" lang="en-US"/>
               <a:t>Click to edit Master text styles</a:t>
             </a:r>
           </a:p>
@@ -1039,7 +1049,7 @@
             <a:fld id="{1D8BD707-D9CF-40AE-B4C6-C98DA3205C09}" type="datetimeFigureOut">
               <a:rPr lang="en-US" smtClean="0"/>
               <a:pPr/>
-              <a:t>4/25/2020</a:t>
+              <a:t>12/5/2021</a:t>
             </a:fld>
             <a:endParaRPr lang="en-US"/>
           </a:p>
@@ -1134,10 +1144,9 @@
           <a:lstStyle/>
           <a:p>
             <a:r>
-              <a:rPr kumimoji="0" lang="en-US" smtClean="0"/>
+              <a:rPr kumimoji="0" lang="en-US"/>
               <a:t>Click to edit Master title style</a:t>
             </a:r>
-            <a:endParaRPr kumimoji="0" lang="en-US"/>
           </a:p>
         </p:txBody>
       </p:sp>
@@ -1179,35 +1188,35 @@
           <a:p>
             <a:pPr lvl="0" eaLnBrk="1" latinLnBrk="0" hangingPunct="1"/>
             <a:r>
-              <a:rPr lang="en-US" smtClean="0"/>
+              <a:rPr lang="en-US"/>
               <a:t>Click to edit Master text styles</a:t>
             </a:r>
           </a:p>
           <a:p>
             <a:pPr lvl="1" eaLnBrk="1" latinLnBrk="0" hangingPunct="1"/>
             <a:r>
-              <a:rPr lang="en-US" smtClean="0"/>
+              <a:rPr lang="en-US"/>
               <a:t>Second level</a:t>
             </a:r>
           </a:p>
           <a:p>
             <a:pPr lvl="2" eaLnBrk="1" latinLnBrk="0" hangingPunct="1"/>
             <a:r>
-              <a:rPr lang="en-US" smtClean="0"/>
+              <a:rPr lang="en-US"/>
               <a:t>Third level</a:t>
             </a:r>
           </a:p>
           <a:p>
             <a:pPr lvl="3" eaLnBrk="1" latinLnBrk="0" hangingPunct="1"/>
             <a:r>
-              <a:rPr lang="en-US" smtClean="0"/>
+              <a:rPr lang="en-US"/>
               <a:t>Fourth level</a:t>
             </a:r>
           </a:p>
           <a:p>
             <a:pPr lvl="4" eaLnBrk="1" latinLnBrk="0" hangingPunct="1"/>
             <a:r>
-              <a:rPr lang="en-US" smtClean="0"/>
+              <a:rPr lang="en-US"/>
               <a:t>Fifth level</a:t>
             </a:r>
             <a:endParaRPr kumimoji="0" lang="en-US"/>
@@ -1252,35 +1261,35 @@
           <a:p>
             <a:pPr lvl="0" eaLnBrk="1" latinLnBrk="0" hangingPunct="1"/>
             <a:r>
-              <a:rPr lang="en-US" smtClean="0"/>
+              <a:rPr lang="en-US"/>
               <a:t>Click to edit Master text styles</a:t>
             </a:r>
           </a:p>
           <a:p>
             <a:pPr lvl="1" eaLnBrk="1" latinLnBrk="0" hangingPunct="1"/>
             <a:r>
-              <a:rPr lang="en-US" smtClean="0"/>
+              <a:rPr lang="en-US"/>
               <a:t>Second level</a:t>
             </a:r>
           </a:p>
           <a:p>
             <a:pPr lvl="2" eaLnBrk="1" latinLnBrk="0" hangingPunct="1"/>
             <a:r>
-              <a:rPr lang="en-US" smtClean="0"/>
+              <a:rPr lang="en-US"/>
               <a:t>Third level</a:t>
             </a:r>
           </a:p>
           <a:p>
             <a:pPr lvl="3" eaLnBrk="1" latinLnBrk="0" hangingPunct="1"/>
             <a:r>
-              <a:rPr lang="en-US" smtClean="0"/>
+              <a:rPr lang="en-US"/>
               <a:t>Fourth level</a:t>
             </a:r>
           </a:p>
           <a:p>
             <a:pPr lvl="4" eaLnBrk="1" latinLnBrk="0" hangingPunct="1"/>
             <a:r>
-              <a:rPr lang="en-US" smtClean="0"/>
+              <a:rPr lang="en-US"/>
               <a:t>Fifth level</a:t>
             </a:r>
             <a:endParaRPr kumimoji="0" lang="en-US"/>
@@ -1305,7 +1314,7 @@
             <a:fld id="{1D8BD707-D9CF-40AE-B4C6-C98DA3205C09}" type="datetimeFigureOut">
               <a:rPr lang="en-US" smtClean="0"/>
               <a:pPr/>
-              <a:t>4/25/2020</a:t>
+              <a:t>12/5/2021</a:t>
             </a:fld>
             <a:endParaRPr lang="en-US"/>
           </a:p>
@@ -1404,10 +1413,9 @@
           </a:lstStyle>
           <a:p>
             <a:r>
-              <a:rPr kumimoji="0" lang="en-US" smtClean="0"/>
+              <a:rPr kumimoji="0" lang="en-US"/>
               <a:t>Click to edit Master title style</a:t>
             </a:r>
-            <a:endParaRPr kumimoji="0" lang="en-US"/>
           </a:p>
         </p:txBody>
       </p:sp>
@@ -1461,7 +1469,7 @@
           <a:p>
             <a:pPr lvl="0" eaLnBrk="1" latinLnBrk="0" hangingPunct="1"/>
             <a:r>
-              <a:rPr kumimoji="0" lang="en-US" smtClean="0"/>
+              <a:rPr kumimoji="0" lang="en-US"/>
               <a:t>Click to edit Master text styles</a:t>
             </a:r>
           </a:p>
@@ -1515,7 +1523,7 @@
           <a:p>
             <a:pPr lvl="0" eaLnBrk="1" latinLnBrk="0" hangingPunct="1"/>
             <a:r>
-              <a:rPr kumimoji="0" lang="en-US" smtClean="0"/>
+              <a:rPr kumimoji="0" lang="en-US"/>
               <a:t>Click to edit Master text styles</a:t>
             </a:r>
           </a:p>
@@ -1559,35 +1567,35 @@
           <a:p>
             <a:pPr lvl="0" eaLnBrk="1" latinLnBrk="0" hangingPunct="1"/>
             <a:r>
-              <a:rPr lang="en-US" smtClean="0"/>
+              <a:rPr lang="en-US"/>
               <a:t>Click to edit Master text styles</a:t>
             </a:r>
           </a:p>
           <a:p>
             <a:pPr lvl="1" eaLnBrk="1" latinLnBrk="0" hangingPunct="1"/>
             <a:r>
-              <a:rPr lang="en-US" smtClean="0"/>
+              <a:rPr lang="en-US"/>
               <a:t>Second level</a:t>
             </a:r>
           </a:p>
           <a:p>
             <a:pPr lvl="2" eaLnBrk="1" latinLnBrk="0" hangingPunct="1"/>
             <a:r>
-              <a:rPr lang="en-US" smtClean="0"/>
+              <a:rPr lang="en-US"/>
               <a:t>Third level</a:t>
             </a:r>
           </a:p>
           <a:p>
             <a:pPr lvl="3" eaLnBrk="1" latinLnBrk="0" hangingPunct="1"/>
             <a:r>
-              <a:rPr lang="en-US" smtClean="0"/>
+              <a:rPr lang="en-US"/>
               <a:t>Fourth level</a:t>
             </a:r>
           </a:p>
           <a:p>
             <a:pPr lvl="4" eaLnBrk="1" latinLnBrk="0" hangingPunct="1"/>
             <a:r>
-              <a:rPr lang="en-US" smtClean="0"/>
+              <a:rPr lang="en-US"/>
               <a:t>Fifth level</a:t>
             </a:r>
             <a:endParaRPr kumimoji="0" lang="en-US"/>
@@ -1632,35 +1640,35 @@
           <a:p>
             <a:pPr lvl="0" eaLnBrk="1" latinLnBrk="0" hangingPunct="1"/>
             <a:r>
-              <a:rPr lang="en-US" smtClean="0"/>
+              <a:rPr lang="en-US"/>
               <a:t>Click to edit Master text styles</a:t>
             </a:r>
           </a:p>
           <a:p>
             <a:pPr lvl="1" eaLnBrk="1" latinLnBrk="0" hangingPunct="1"/>
             <a:r>
-              <a:rPr lang="en-US" smtClean="0"/>
+              <a:rPr lang="en-US"/>
               <a:t>Second level</a:t>
             </a:r>
           </a:p>
           <a:p>
             <a:pPr lvl="2" eaLnBrk="1" latinLnBrk="0" hangingPunct="1"/>
             <a:r>
-              <a:rPr lang="en-US" smtClean="0"/>
+              <a:rPr lang="en-US"/>
               <a:t>Third level</a:t>
             </a:r>
           </a:p>
           <a:p>
             <a:pPr lvl="3" eaLnBrk="1" latinLnBrk="0" hangingPunct="1"/>
             <a:r>
-              <a:rPr lang="en-US" smtClean="0"/>
+              <a:rPr lang="en-US"/>
               <a:t>Fourth level</a:t>
             </a:r>
           </a:p>
           <a:p>
             <a:pPr lvl="4" eaLnBrk="1" latinLnBrk="0" hangingPunct="1"/>
             <a:r>
-              <a:rPr lang="en-US" smtClean="0"/>
+              <a:rPr lang="en-US"/>
               <a:t>Fifth level</a:t>
             </a:r>
             <a:endParaRPr kumimoji="0" lang="en-US"/>
@@ -1685,7 +1693,7 @@
             <a:fld id="{1D8BD707-D9CF-40AE-B4C6-C98DA3205C09}" type="datetimeFigureOut">
               <a:rPr lang="en-US" smtClean="0"/>
               <a:pPr/>
-              <a:t>4/25/2020</a:t>
+              <a:t>12/5/2021</a:t>
             </a:fld>
             <a:endParaRPr lang="en-US"/>
           </a:p>
@@ -1812,10 +1820,9 @@
           </a:lstStyle>
           <a:p>
             <a:r>
-              <a:rPr kumimoji="0" lang="en-US" smtClean="0"/>
+              <a:rPr kumimoji="0" lang="en-US"/>
               <a:t>Click to edit Master title style</a:t>
             </a:r>
-            <a:endParaRPr kumimoji="0" lang="en-US"/>
           </a:p>
         </p:txBody>
       </p:sp>
@@ -1837,7 +1844,7 @@
             <a:fld id="{1D8BD707-D9CF-40AE-B4C6-C98DA3205C09}" type="datetimeFigureOut">
               <a:rPr lang="en-US" smtClean="0"/>
               <a:pPr/>
-              <a:t>4/25/2020</a:t>
+              <a:t>12/5/2021</a:t>
             </a:fld>
             <a:endParaRPr lang="en-US"/>
           </a:p>
@@ -1929,7 +1936,7 @@
             <a:fld id="{1D8BD707-D9CF-40AE-B4C6-C98DA3205C09}" type="datetimeFigureOut">
               <a:rPr lang="en-US" smtClean="0"/>
               <a:pPr/>
-              <a:t>4/25/2020</a:t>
+              <a:t>12/5/2021</a:t>
             </a:fld>
             <a:endParaRPr lang="en-US"/>
           </a:p>
@@ -2045,10 +2052,9 @@
           </a:lstStyle>
           <a:p>
             <a:r>
-              <a:rPr kumimoji="0" lang="en-US" smtClean="0"/>
+              <a:rPr kumimoji="0" lang="en-US"/>
               <a:t>Click to edit Master title style</a:t>
             </a:r>
-            <a:endParaRPr kumimoji="0" lang="en-US"/>
           </a:p>
         </p:txBody>
       </p:sp>
@@ -2095,7 +2101,7 @@
           <a:p>
             <a:pPr lvl="0" eaLnBrk="1" latinLnBrk="0" hangingPunct="1"/>
             <a:r>
-              <a:rPr kumimoji="0" lang="en-US" smtClean="0"/>
+              <a:rPr kumimoji="0" lang="en-US"/>
               <a:t>Click to edit Master text styles</a:t>
             </a:r>
           </a:p>
@@ -2139,35 +2145,35 @@
           <a:p>
             <a:pPr lvl="0" eaLnBrk="1" latinLnBrk="0" hangingPunct="1"/>
             <a:r>
-              <a:rPr lang="en-US" smtClean="0"/>
+              <a:rPr lang="en-US"/>
               <a:t>Click to edit Master text styles</a:t>
             </a:r>
           </a:p>
           <a:p>
             <a:pPr lvl="1" eaLnBrk="1" latinLnBrk="0" hangingPunct="1"/>
             <a:r>
-              <a:rPr lang="en-US" smtClean="0"/>
+              <a:rPr lang="en-US"/>
               <a:t>Second level</a:t>
             </a:r>
           </a:p>
           <a:p>
             <a:pPr lvl="2" eaLnBrk="1" latinLnBrk="0" hangingPunct="1"/>
             <a:r>
-              <a:rPr lang="en-US" smtClean="0"/>
+              <a:rPr lang="en-US"/>
               <a:t>Third level</a:t>
             </a:r>
           </a:p>
           <a:p>
             <a:pPr lvl="3" eaLnBrk="1" latinLnBrk="0" hangingPunct="1"/>
             <a:r>
-              <a:rPr lang="en-US" smtClean="0"/>
+              <a:rPr lang="en-US"/>
               <a:t>Fourth level</a:t>
             </a:r>
           </a:p>
           <a:p>
             <a:pPr lvl="4" eaLnBrk="1" latinLnBrk="0" hangingPunct="1"/>
             <a:r>
-              <a:rPr lang="en-US" smtClean="0"/>
+              <a:rPr lang="en-US"/>
               <a:t>Fifth level</a:t>
             </a:r>
             <a:endParaRPr kumimoji="0" lang="en-US"/>
@@ -2192,7 +2198,7 @@
             <a:fld id="{1D8BD707-D9CF-40AE-B4C6-C98DA3205C09}" type="datetimeFigureOut">
               <a:rPr lang="en-US" smtClean="0"/>
               <a:pPr/>
-              <a:t>4/25/2020</a:t>
+              <a:t>12/5/2021</a:t>
             </a:fld>
             <a:endParaRPr lang="en-US"/>
           </a:p>
@@ -2408,10 +2414,9 @@
           </a:lstStyle>
           <a:p>
             <a:r>
-              <a:rPr kumimoji="0" lang="en-US" smtClean="0"/>
+              <a:rPr kumimoji="0" lang="en-US"/>
               <a:t>Click to edit Master title style</a:t>
             </a:r>
-            <a:endParaRPr kumimoji="0" lang="en-US"/>
           </a:p>
         </p:txBody>
       </p:sp>
@@ -2458,7 +2463,7 @@
           <a:p>
             <a:pPr lvl="0" eaLnBrk="1" latinLnBrk="0" hangingPunct="1"/>
             <a:r>
-              <a:rPr kumimoji="0" lang="en-US" smtClean="0"/>
+              <a:rPr kumimoji="0" lang="en-US"/>
               <a:t>Click to edit Master text styles</a:t>
             </a:r>
           </a:p>
@@ -2482,7 +2487,7 @@
             <a:fld id="{1D8BD707-D9CF-40AE-B4C6-C98DA3205C09}" type="datetimeFigureOut">
               <a:rPr lang="en-US" smtClean="0"/>
               <a:pPr/>
-              <a:t>4/25/2020</a:t>
+              <a:t>12/5/2021</a:t>
             </a:fld>
             <a:endParaRPr lang="en-US"/>
           </a:p>
@@ -2575,7 +2580,7 @@
           </a:lstStyle>
           <a:p>
             <a:r>
-              <a:rPr kumimoji="0" lang="en-US" smtClean="0"/>
+              <a:rPr kumimoji="0" lang="en-US"/>
               <a:t>Click icon to add picture</a:t>
             </a:r>
             <a:endParaRPr kumimoji="0" lang="en-US" dirty="0"/>
@@ -3150,10 +3155,9 @@
           <a:lstStyle/>
           <a:p>
             <a:r>
-              <a:rPr kumimoji="0" lang="en-US" smtClean="0"/>
+              <a:rPr kumimoji="0" lang="en-US"/>
               <a:t>Click to edit Master title style</a:t>
             </a:r>
-            <a:endParaRPr kumimoji="0" lang="en-US"/>
           </a:p>
         </p:txBody>
       </p:sp>
@@ -3184,38 +3188,37 @@
           <a:p>
             <a:pPr lvl="0" eaLnBrk="1" latinLnBrk="0" hangingPunct="1"/>
             <a:r>
-              <a:rPr kumimoji="0" lang="en-US" smtClean="0"/>
+              <a:rPr kumimoji="0" lang="en-US"/>
               <a:t>Click to edit Master text styles</a:t>
             </a:r>
           </a:p>
           <a:p>
             <a:pPr lvl="1" eaLnBrk="1" latinLnBrk="0" hangingPunct="1"/>
             <a:r>
-              <a:rPr kumimoji="0" lang="en-US" smtClean="0"/>
+              <a:rPr kumimoji="0" lang="en-US"/>
               <a:t>Second level</a:t>
             </a:r>
           </a:p>
           <a:p>
             <a:pPr lvl="2" eaLnBrk="1" latinLnBrk="0" hangingPunct="1"/>
             <a:r>
-              <a:rPr kumimoji="0" lang="en-US" smtClean="0"/>
+              <a:rPr kumimoji="0" lang="en-US"/>
               <a:t>Third level</a:t>
             </a:r>
           </a:p>
           <a:p>
             <a:pPr lvl="3" eaLnBrk="1" latinLnBrk="0" hangingPunct="1"/>
             <a:r>
-              <a:rPr kumimoji="0" lang="en-US" smtClean="0"/>
+              <a:rPr kumimoji="0" lang="en-US"/>
               <a:t>Fourth level</a:t>
             </a:r>
           </a:p>
           <a:p>
             <a:pPr lvl="4" eaLnBrk="1" latinLnBrk="0" hangingPunct="1"/>
             <a:r>
-              <a:rPr kumimoji="0" lang="en-US" smtClean="0"/>
+              <a:rPr kumimoji="0" lang="en-US"/>
               <a:t>Fifth level</a:t>
             </a:r>
-            <a:endParaRPr kumimoji="0" lang="en-US"/>
           </a:p>
         </p:txBody>
       </p:sp>
@@ -3255,7 +3258,7 @@
             <a:fld id="{1D8BD707-D9CF-40AE-B4C6-C98DA3205C09}" type="datetimeFigureOut">
               <a:rPr lang="en-US" smtClean="0"/>
               <a:pPr/>
-              <a:t>4/25/2020</a:t>
+              <a:t>12/5/2021</a:t>
             </a:fld>
             <a:endParaRPr lang="en-US"/>
           </a:p>
@@ -3966,7 +3969,7 @@
               </a:spcBef>
             </a:pPr>
             <a:r>
-              <a:rPr lang="en-US" sz="3600" b="1" spc="-10" dirty="0" smtClean="0">
+              <a:rPr lang="en-US" sz="3600" b="1" spc="-10" dirty="0">
                 <a:solidFill>
                   <a:srgbClr val="6F2F9F"/>
                 </a:solidFill>
@@ -3974,7 +3977,7 @@
               <a:t>21. </a:t>
             </a:r>
             <a:r>
-              <a:rPr sz="3600" b="1" spc="-10" dirty="0" smtClean="0">
+              <a:rPr sz="3600" b="1" spc="-10" dirty="0">
                 <a:solidFill>
                   <a:srgbClr val="6F2F9F"/>
                 </a:solidFill>
@@ -5784,7 +5787,7 @@
         <p:spPr>
           <a:xfrm>
             <a:off x="917575" y="2364106"/>
-            <a:ext cx="5938520" cy="1595309"/>
+            <a:ext cx="5938520" cy="904799"/>
           </a:xfrm>
           <a:prstGeom prst="rect">
             <a:avLst/>
@@ -5807,13 +5810,62 @@
               </a:lnSpc>
             </a:pPr>
             <a:r>
-              <a:rPr sz="1400" spc="-5" dirty="0">
-                <a:latin typeface="Bell MT"/>
-                <a:cs typeface="Bell MT"/>
-              </a:rPr>
-              <a:t>&lt;powershell&gt;</a:t>
-            </a:r>
-            <a:endParaRPr sz="1400">
+              <a:rPr lang="en-US" sz="1400" spc="-5" dirty="0">
+                <a:latin typeface="Bell MT"/>
+                <a:cs typeface="Bell MT"/>
+              </a:rPr>
+              <a:t>&lt;</a:t>
+            </a:r>
+            <a:r>
+              <a:rPr lang="en-US" sz="1400" spc="-5" dirty="0" err="1">
+                <a:latin typeface="Bell MT"/>
+                <a:cs typeface="Bell MT"/>
+              </a:rPr>
+              <a:t>powershell</a:t>
+            </a:r>
+            <a:r>
+              <a:rPr lang="en-US" sz="1400" spc="-5" dirty="0">
+                <a:latin typeface="Bell MT"/>
+                <a:cs typeface="Bell MT"/>
+              </a:rPr>
+              <a:t>&gt;</a:t>
+            </a:r>
+          </a:p>
+          <a:p>
+            <a:pPr marL="73025">
+              <a:lnSpc>
+                <a:spcPts val="1425"/>
+              </a:lnSpc>
+            </a:pPr>
+            <a:r>
+              <a:rPr lang="en-US" sz="1400" spc="-5" dirty="0">
+                <a:latin typeface="Bell MT"/>
+                <a:cs typeface="Bell MT"/>
+              </a:rPr>
+              <a:t>Install-</a:t>
+            </a:r>
+            <a:r>
+              <a:rPr lang="en-US" sz="1400" spc="-5" dirty="0" err="1">
+                <a:latin typeface="Bell MT"/>
+                <a:cs typeface="Bell MT"/>
+              </a:rPr>
+              <a:t>WindowsFeature</a:t>
+            </a:r>
+            <a:r>
+              <a:rPr lang="en-US" sz="1400" spc="-5" dirty="0">
+                <a:latin typeface="Bell MT"/>
+                <a:cs typeface="Bell MT"/>
+              </a:rPr>
+              <a:t> -name Web-Server -</a:t>
+            </a:r>
+            <a:r>
+              <a:rPr lang="en-US" sz="1400" spc="-5" dirty="0" err="1">
+                <a:latin typeface="Bell MT"/>
+                <a:cs typeface="Bell MT"/>
+              </a:rPr>
+              <a:t>IncludeManagementTools</a:t>
+            </a:r>
+            <a:endParaRPr lang="en-US" sz="1400" spc="-5" dirty="0">
               <a:latin typeface="Bell MT"/>
               <a:cs typeface="Bell MT"/>
             </a:endParaRPr>
@@ -5821,398 +5873,59 @@
           <a:p>
             <a:pPr marL="73025">
               <a:lnSpc>
-                <a:spcPts val="1620"/>
+                <a:spcPts val="1425"/>
               </a:lnSpc>
             </a:pPr>
             <a:r>
-              <a:rPr sz="1400" spc="-5" dirty="0">
-                <a:latin typeface="Bell MT"/>
-                <a:cs typeface="Bell MT"/>
-              </a:rPr>
-              <a:t>Start-Transcript;</a:t>
-            </a:r>
-            <a:endParaRPr sz="1400">
-              <a:latin typeface="Bell MT"/>
-              <a:cs typeface="Bell MT"/>
-            </a:endParaRPr>
-          </a:p>
-          <a:p>
-            <a:pPr>
-              <a:lnSpc>
-                <a:spcPct val="100000"/>
-              </a:lnSpc>
-              <a:spcBef>
-                <a:spcPts val="45"/>
-              </a:spcBef>
-            </a:pPr>
-            <a:endParaRPr sz="1200">
-              <a:latin typeface="Times New Roman"/>
-              <a:cs typeface="Times New Roman"/>
-            </a:endParaRPr>
+              <a:rPr lang="en-US" sz="1400" spc="-5" dirty="0">
+                <a:latin typeface="Bell MT"/>
+                <a:cs typeface="Bell MT"/>
+              </a:rPr>
+              <a:t>New-Item -Path C:\inetpub\wwwroot\index.html -ItemType File -Value "</a:t>
+            </a:r>
+            <a:r>
+              <a:rPr lang="en-US" sz="1400" spc="-5" dirty="0" err="1">
+                <a:latin typeface="Bell MT"/>
+                <a:cs typeface="Bell MT"/>
+              </a:rPr>
+              <a:t>KTExperts</a:t>
+            </a:r>
+            <a:r>
+              <a:rPr lang="en-US" sz="1400" spc="-5" dirty="0">
+                <a:latin typeface="Bell MT"/>
+                <a:cs typeface="Bell MT"/>
+              </a:rPr>
+              <a:t> is a knowledge Sharing Platform" -Force</a:t>
+            </a:r>
           </a:p>
           <a:p>
             <a:pPr marL="73025">
               <a:lnSpc>
-                <a:spcPts val="1620"/>
+                <a:spcPts val="1425"/>
               </a:lnSpc>
             </a:pPr>
             <a:r>
-              <a:rPr sz="1400" dirty="0">
-                <a:latin typeface="Bell MT"/>
-                <a:cs typeface="Bell MT"/>
-              </a:rPr>
-              <a:t># </a:t>
-            </a:r>
-            <a:r>
-              <a:rPr sz="1400" spc="-5" dirty="0">
-                <a:latin typeface="Bell MT"/>
-                <a:cs typeface="Bell MT"/>
-              </a:rPr>
-              <a:t>Install </a:t>
-            </a:r>
-            <a:r>
-              <a:rPr sz="1400" dirty="0">
-                <a:latin typeface="Bell MT"/>
-                <a:cs typeface="Bell MT"/>
-              </a:rPr>
-              <a:t>IIS</a:t>
-            </a:r>
-            <a:endParaRPr sz="1400">
-              <a:latin typeface="Bell MT"/>
-              <a:cs typeface="Bell MT"/>
-            </a:endParaRPr>
-          </a:p>
-          <a:p>
-            <a:pPr marL="73025">
-              <a:lnSpc>
-                <a:spcPts val="1560"/>
-              </a:lnSpc>
-            </a:pPr>
-            <a:r>
-              <a:rPr sz="1400" spc="-5" dirty="0">
-                <a:latin typeface="Bell MT"/>
-                <a:cs typeface="Bell MT"/>
-              </a:rPr>
-              <a:t>Import-Module ServerManager;</a:t>
-            </a:r>
-            <a:endParaRPr sz="1400">
-              <a:latin typeface="Bell MT"/>
-              <a:cs typeface="Bell MT"/>
-            </a:endParaRPr>
-          </a:p>
-          <a:p>
-            <a:pPr marL="73025" marR="75565">
-              <a:lnSpc>
-                <a:spcPts val="1560"/>
-              </a:lnSpc>
-              <a:spcBef>
-                <a:spcPts val="95"/>
-              </a:spcBef>
-              <a:tabLst>
-                <a:tab pos="3376295" algn="l"/>
-                <a:tab pos="4340860" algn="l"/>
-                <a:tab pos="5534660" algn="l"/>
-              </a:tabLst>
-            </a:pPr>
-            <a:r>
-              <a:rPr sz="1400" spc="-5" dirty="0">
-                <a:latin typeface="Bell MT"/>
-                <a:cs typeface="Bell MT"/>
-              </a:rPr>
-              <a:t>Ena</a:t>
-            </a:r>
-            <a:r>
-              <a:rPr sz="1400" dirty="0">
-                <a:latin typeface="Bell MT"/>
-                <a:cs typeface="Bell MT"/>
-              </a:rPr>
-              <a:t>b</a:t>
-            </a:r>
-            <a:r>
-              <a:rPr sz="1400" spc="-5" dirty="0">
-                <a:latin typeface="Bell MT"/>
-                <a:cs typeface="Bell MT"/>
-              </a:rPr>
-              <a:t>l</a:t>
-            </a:r>
-            <a:r>
-              <a:rPr sz="1400" dirty="0">
-                <a:latin typeface="Bell MT"/>
-                <a:cs typeface="Bell MT"/>
-              </a:rPr>
-              <a:t>e</a:t>
-            </a:r>
-            <a:r>
-              <a:rPr sz="1400" spc="-15" dirty="0">
-                <a:latin typeface="Bell MT"/>
-                <a:cs typeface="Bell MT"/>
-              </a:rPr>
-              <a:t>-</a:t>
-            </a:r>
-            <a:r>
-              <a:rPr sz="1400" dirty="0">
-                <a:latin typeface="Bell MT"/>
-                <a:cs typeface="Bell MT"/>
-              </a:rPr>
-              <a:t>W</a:t>
-            </a:r>
-            <a:r>
-              <a:rPr sz="1400" spc="-10" dirty="0">
-                <a:latin typeface="Bell MT"/>
-                <a:cs typeface="Bell MT"/>
-              </a:rPr>
-              <a:t>i</a:t>
-            </a:r>
-            <a:r>
-              <a:rPr sz="1400" spc="-5" dirty="0">
-                <a:latin typeface="Bell MT"/>
-                <a:cs typeface="Bell MT"/>
-              </a:rPr>
-              <a:t>ndow</a:t>
-            </a:r>
-            <a:r>
-              <a:rPr sz="1400" spc="-10" dirty="0">
-                <a:latin typeface="Bell MT"/>
-                <a:cs typeface="Bell MT"/>
-              </a:rPr>
-              <a:t>s</a:t>
-            </a:r>
-            <a:r>
-              <a:rPr sz="1400" dirty="0">
-                <a:latin typeface="Bell MT"/>
-                <a:cs typeface="Bell MT"/>
-              </a:rPr>
-              <a:t>Op</a:t>
-            </a:r>
-            <a:r>
-              <a:rPr sz="1400" spc="-15" dirty="0">
-                <a:latin typeface="Bell MT"/>
-                <a:cs typeface="Bell MT"/>
-              </a:rPr>
-              <a:t>t</a:t>
-            </a:r>
-            <a:r>
-              <a:rPr sz="1400" spc="-10" dirty="0">
-                <a:latin typeface="Bell MT"/>
-                <a:cs typeface="Bell MT"/>
-              </a:rPr>
-              <a:t>i</a:t>
-            </a:r>
-            <a:r>
-              <a:rPr sz="1400" dirty="0">
-                <a:latin typeface="Bell MT"/>
-                <a:cs typeface="Bell MT"/>
-              </a:rPr>
-              <a:t>o</a:t>
-            </a:r>
-            <a:r>
-              <a:rPr sz="1400" spc="-10" dirty="0">
-                <a:latin typeface="Bell MT"/>
-                <a:cs typeface="Bell MT"/>
-              </a:rPr>
-              <a:t>n</a:t>
-            </a:r>
-            <a:r>
-              <a:rPr sz="1400" dirty="0">
-                <a:latin typeface="Bell MT"/>
-                <a:cs typeface="Bell MT"/>
-              </a:rPr>
-              <a:t>alFe</a:t>
-            </a:r>
-            <a:r>
-              <a:rPr sz="1400" spc="-5" dirty="0">
-                <a:latin typeface="Bell MT"/>
-                <a:cs typeface="Bell MT"/>
-              </a:rPr>
-              <a:t>a</a:t>
-            </a:r>
-            <a:r>
-              <a:rPr sz="1400" dirty="0">
-                <a:latin typeface="Bell MT"/>
-                <a:cs typeface="Bell MT"/>
-              </a:rPr>
-              <a:t>ture  </a:t>
-            </a:r>
-            <a:r>
-              <a:rPr sz="1400" spc="-55" dirty="0">
-                <a:latin typeface="Bell MT"/>
-                <a:cs typeface="Bell MT"/>
-              </a:rPr>
-              <a:t> </a:t>
-            </a:r>
-            <a:r>
-              <a:rPr sz="1400" spc="-5" dirty="0">
-                <a:latin typeface="Bell MT"/>
-                <a:cs typeface="Bell MT"/>
-              </a:rPr>
-              <a:t>-</a:t>
-            </a:r>
-            <a:r>
-              <a:rPr sz="1400" dirty="0">
-                <a:latin typeface="Bell MT"/>
-                <a:cs typeface="Bell MT"/>
-              </a:rPr>
-              <a:t>O</a:t>
-            </a:r>
-            <a:r>
-              <a:rPr sz="1400" spc="-10" dirty="0">
-                <a:latin typeface="Bell MT"/>
-                <a:cs typeface="Bell MT"/>
-              </a:rPr>
-              <a:t>n</a:t>
-            </a:r>
-            <a:r>
-              <a:rPr sz="1400" spc="-5" dirty="0">
-                <a:latin typeface="Bell MT"/>
-                <a:cs typeface="Bell MT"/>
-              </a:rPr>
-              <a:t>li</a:t>
-            </a:r>
-            <a:r>
-              <a:rPr sz="1400" spc="-10" dirty="0">
-                <a:latin typeface="Bell MT"/>
-                <a:cs typeface="Bell MT"/>
-              </a:rPr>
-              <a:t>n</a:t>
-            </a:r>
-            <a:r>
-              <a:rPr sz="1400" dirty="0">
-                <a:latin typeface="Bell MT"/>
-                <a:cs typeface="Bell MT"/>
-              </a:rPr>
-              <a:t>e	</a:t>
-            </a:r>
-            <a:r>
-              <a:rPr sz="1400" spc="-5" dirty="0">
-                <a:latin typeface="Bell MT"/>
-                <a:cs typeface="Bell MT"/>
-              </a:rPr>
-              <a:t>-</a:t>
-            </a:r>
-            <a:r>
-              <a:rPr sz="1400" dirty="0">
-                <a:latin typeface="Bell MT"/>
-                <a:cs typeface="Bell MT"/>
-              </a:rPr>
-              <a:t>NoRe</a:t>
-            </a:r>
-            <a:r>
-              <a:rPr sz="1400" spc="-10" dirty="0">
-                <a:latin typeface="Bell MT"/>
-                <a:cs typeface="Bell MT"/>
-              </a:rPr>
-              <a:t>s</a:t>
-            </a:r>
-            <a:r>
-              <a:rPr sz="1400" dirty="0">
-                <a:latin typeface="Bell MT"/>
-                <a:cs typeface="Bell MT"/>
-              </a:rPr>
-              <a:t>t</a:t>
-            </a:r>
-            <a:r>
-              <a:rPr sz="1400" spc="-10" dirty="0">
-                <a:latin typeface="Bell MT"/>
-                <a:cs typeface="Bell MT"/>
-              </a:rPr>
-              <a:t>a</a:t>
-            </a:r>
-            <a:r>
-              <a:rPr sz="1400" dirty="0">
-                <a:latin typeface="Bell MT"/>
-                <a:cs typeface="Bell MT"/>
-              </a:rPr>
-              <a:t>rt	</a:t>
-            </a:r>
-            <a:r>
-              <a:rPr sz="1400" spc="-5" dirty="0">
-                <a:latin typeface="Bell MT"/>
-                <a:cs typeface="Bell MT"/>
-              </a:rPr>
-              <a:t>-</a:t>
-            </a:r>
-            <a:r>
-              <a:rPr sz="1400" dirty="0">
-                <a:latin typeface="Bell MT"/>
-                <a:cs typeface="Bell MT"/>
-              </a:rPr>
-              <a:t>Fea</a:t>
-            </a:r>
-            <a:r>
-              <a:rPr sz="1400" spc="-10" dirty="0">
-                <a:latin typeface="Bell MT"/>
-                <a:cs typeface="Bell MT"/>
-              </a:rPr>
-              <a:t>t</a:t>
-            </a:r>
-            <a:r>
-              <a:rPr sz="1400" spc="-5" dirty="0">
-                <a:latin typeface="Bell MT"/>
-                <a:cs typeface="Bell MT"/>
-              </a:rPr>
-              <a:t>ureNam</a:t>
-            </a:r>
-            <a:r>
-              <a:rPr sz="1400" dirty="0">
-                <a:latin typeface="Bell MT"/>
-                <a:cs typeface="Bell MT"/>
-              </a:rPr>
-              <a:t>e	</a:t>
-            </a:r>
-            <a:r>
-              <a:rPr sz="1400" spc="-5" dirty="0">
-                <a:latin typeface="Bell MT"/>
-                <a:cs typeface="Bell MT"/>
-              </a:rPr>
-              <a:t>'</a:t>
-            </a:r>
-            <a:r>
-              <a:rPr sz="1400" dirty="0">
-                <a:latin typeface="Bell MT"/>
-                <a:cs typeface="Bell MT"/>
-              </a:rPr>
-              <a:t>IIS-  </a:t>
-            </a:r>
-            <a:r>
-              <a:rPr sz="1400" spc="-5" dirty="0">
-                <a:latin typeface="Bell MT"/>
-                <a:cs typeface="Bell MT"/>
-              </a:rPr>
-              <a:t>WebServerRole', 'IIS-WebServer',</a:t>
-            </a:r>
-            <a:r>
-              <a:rPr sz="1400" spc="10" dirty="0">
-                <a:latin typeface="Bell MT"/>
-                <a:cs typeface="Bell MT"/>
-              </a:rPr>
-              <a:t> </a:t>
-            </a:r>
-            <a:r>
-              <a:rPr sz="1400" spc="-5" dirty="0">
-                <a:latin typeface="Bell MT"/>
-                <a:cs typeface="Bell MT"/>
-              </a:rPr>
-              <a:t>'IIS-ManagementConsole';</a:t>
-            </a:r>
-            <a:endParaRPr sz="1400">
-              <a:latin typeface="Bell MT"/>
-              <a:cs typeface="Bell MT"/>
-            </a:endParaRPr>
-          </a:p>
-          <a:p>
-            <a:pPr marL="73025">
-              <a:lnSpc>
-                <a:spcPts val="1530"/>
-              </a:lnSpc>
-            </a:pPr>
-            <a:r>
-              <a:rPr sz="1400" spc="-5" dirty="0">
-                <a:latin typeface="Bell MT"/>
-                <a:cs typeface="Bell MT"/>
-              </a:rPr>
-              <a:t>&lt;/powershell&gt;</a:t>
-            </a:r>
-            <a:endParaRPr sz="1400">
+              <a:rPr lang="en-US" sz="1400" spc="-5" dirty="0">
+                <a:latin typeface="Bell MT"/>
+                <a:cs typeface="Bell MT"/>
+              </a:rPr>
+              <a:t>&lt;/</a:t>
+            </a:r>
+            <a:r>
+              <a:rPr lang="en-US" sz="1400" spc="-5" dirty="0" err="1">
+                <a:latin typeface="Bell MT"/>
+                <a:cs typeface="Bell MT"/>
+              </a:rPr>
+              <a:t>powershell</a:t>
+            </a:r>
+            <a:r>
+              <a:rPr lang="en-US" sz="1400" spc="-5" dirty="0">
+                <a:latin typeface="Bell MT"/>
+                <a:cs typeface="Bell MT"/>
+              </a:rPr>
+              <a:t>&gt;</a:t>
+            </a:r>
+            <a:endParaRPr sz="1400" dirty="0">
               <a:latin typeface="Bell MT"/>
               <a:cs typeface="Bell MT"/>
             </a:endParaRPr>
